--- a/assets/slides/templates/DeepRob_Paper_Presentation.pptx
+++ b/assets/slides/templates/DeepRob_Paper_Presentation.pptx
@@ -14,11 +14,6 @@
     <p:sldId id="259" r:id="rId11"/>
     <p:sldId id="260" r:id="rId12"/>
     <p:sldId id="261" r:id="rId13"/>
-    <p:sldId id="262" r:id="rId14"/>
-    <p:sldId id="263" r:id="rId15"/>
-    <p:sldId id="264" r:id="rId16"/>
-    <p:sldId id="265" r:id="rId17"/>
-    <p:sldId id="266" r:id="rId18"/>
   </p:sldIdLst>
   <p:sldSz cx="24384000" cy="13716000"/>
   <p:notesSz cx="6858000" cy="9144000"/>
@@ -2712,7 +2707,7 @@
       </p:sp>
       <p:sp>
         <p:nvSpPr>
-          <p:cNvPr id="75" name="Winter 2023…">
+          <p:cNvPr id="75" name="Winter 2025…">
             <a:hlinkClick r:id="rId2" invalidUrl="" action="" tgtFrame="" tooltip="" history="1" highlightClick="0" endSnd="0"/>
           </p:cNvPr>
           <p:cNvSpPr txBox="1"/>
@@ -2745,7 +2740,7 @@
               </a:defRPr>
             </a:pPr>
             <a:r>
-              <a:t>Winter 2023</a:t>
+              <a:t>Winter 2025</a:t>
             </a:r>
           </a:p>
           <a:p>
@@ -2785,332 +2780,7 @@
               </a:defRPr>
             </a:pPr>
             <a:r>
-              <a:t>University of Michigan and University of Minnesota</a:t>
-            </a:r>
-          </a:p>
-        </p:txBody>
-      </p:sp>
-    </p:spTree>
-  </p:cSld>
-  <p:clrMapOvr>
-    <a:masterClrMapping/>
-  </p:clrMapOvr>
-  <p:transition xmlns:p14="http://schemas.microsoft.com/office/powerpoint/2010/main" spd="med" advClick="1"/>
-</p:sld>
-</file>
-
-<file path=ppt/slides/slide10.xml><?xml version="1.0" encoding="utf-8"?>
-<p:sld xmlns:a="http://schemas.openxmlformats.org/drawingml/2006/main" xmlns:r="http://schemas.openxmlformats.org/officeDocument/2006/relationships" xmlns:p="http://schemas.openxmlformats.org/presentationml/2006/main" xmlns:m="http://schemas.openxmlformats.org/officeDocument/2006/math" xmlns:a14="http://schemas.microsoft.com/office/drawing/2010/main" showMasterSp="1" showMasterPhAnim="1">
-  <p:cSld>
-    <p:spTree>
-      <p:nvGrpSpPr>
-        <p:cNvPr id="1" name=""/>
-        <p:cNvGrpSpPr/>
-        <p:nvPr/>
-      </p:nvGrpSpPr>
-      <p:grpSpPr>
-        <a:xfrm>
-          <a:off x="0" y="0"/>
-          <a:ext cx="0" cy="0"/>
-          <a:chOff x="0" y="0"/>
-          <a:chExt cx="0" cy="0"/>
-        </a:xfrm>
-      </p:grpSpPr>
-      <p:sp>
-        <p:nvSpPr>
-          <p:cNvPr id="118" name="Conclusions"/>
-          <p:cNvSpPr txBox="1"/>
-          <p:nvPr>
-            <p:ph type="title"/>
-          </p:nvPr>
-        </p:nvSpPr>
-        <p:spPr>
-          <a:prstGeom prst="rect">
-            <a:avLst/>
-          </a:prstGeom>
-        </p:spPr>
-        <p:txBody>
-          <a:bodyPr/>
-          <a:lstStyle/>
-          <a:p>
-            <a:pPr/>
-            <a:r>
-              <a:t>Conclusions</a:t>
-            </a:r>
-          </a:p>
-        </p:txBody>
-      </p:sp>
-      <p:sp>
-        <p:nvSpPr>
-          <p:cNvPr id="119" name="Summary of what was presented…"/>
-          <p:cNvSpPr txBox="1"/>
-          <p:nvPr>
-            <p:ph type="body" idx="1"/>
-          </p:nvPr>
-        </p:nvSpPr>
-        <p:spPr>
-          <a:prstGeom prst="rect">
-            <a:avLst/>
-          </a:prstGeom>
-        </p:spPr>
-        <p:txBody>
-          <a:bodyPr/>
-          <a:lstStyle/>
-          <a:p>
-            <a:pPr>
-              <a:lnSpc>
-                <a:spcPct val="260000"/>
-              </a:lnSpc>
-            </a:pPr>
-            <a:r>
-              <a:t>Summary of what was presented</a:t>
-            </a:r>
-          </a:p>
-          <a:p>
-            <a:pPr>
-              <a:lnSpc>
-                <a:spcPct val="260000"/>
-              </a:lnSpc>
-            </a:pPr>
-            <a:r>
-              <a:t>Summary of the author’s conclusions</a:t>
-            </a:r>
-          </a:p>
-          <a:p>
-            <a:pPr/>
-            <a:r>
-              <a:t>Should tie back to the value proposition, </a:t>
-            </a:r>
-            <a:br/>
-            <a:r>
-              <a:t>maybe also the hot start</a:t>
-            </a:r>
-          </a:p>
-        </p:txBody>
-      </p:sp>
-      <p:sp>
-        <p:nvSpPr>
-          <p:cNvPr id="120" name="Slide Number"/>
-          <p:cNvSpPr txBox="1"/>
-          <p:nvPr>
-            <p:ph type="sldNum" sz="quarter" idx="2"/>
-          </p:nvPr>
-        </p:nvSpPr>
-        <p:spPr>
-          <a:prstGeom prst="rect">
-            <a:avLst/>
-          </a:prstGeom>
-          <a:extLst>
-            <a:ext uri="{C572A759-6A51-4108-AA02-DFA0A04FC94B}">
-              <ma14:wrappingTextBoxFlag xmlns:ma14="http://schemas.microsoft.com/office/mac/drawingml/2011/main" val="1"/>
-            </a:ext>
-          </a:extLst>
-        </p:spPr>
-        <p:txBody>
-          <a:bodyPr/>
-          <a:lstStyle/>
-          <a:p>
-            <a:pPr/>
-            <a:fld id="{86CB4B4D-7CA3-9044-876B-883B54F8677D}" type="slidenum"/>
-          </a:p>
-        </p:txBody>
-      </p:sp>
-    </p:spTree>
-  </p:cSld>
-  <p:clrMapOvr>
-    <a:masterClrMapping/>
-  </p:clrMapOvr>
-  <p:transition xmlns:p14="http://schemas.microsoft.com/office/powerpoint/2010/main" spd="med" advClick="1"/>
-</p:sld>
-</file>
-
-<file path=ppt/slides/slide11.xml><?xml version="1.0" encoding="utf-8"?>
-<p:sld xmlns:a="http://schemas.openxmlformats.org/drawingml/2006/main" xmlns:r="http://schemas.openxmlformats.org/officeDocument/2006/relationships" xmlns:p="http://schemas.openxmlformats.org/presentationml/2006/main" xmlns:m="http://schemas.openxmlformats.org/officeDocument/2006/math" xmlns:a14="http://schemas.microsoft.com/office/drawing/2010/main" showMasterSp="1" showMasterPhAnim="1">
-  <p:cSld>
-    <p:spTree>
-      <p:nvGrpSpPr>
-        <p:cNvPr id="1" name=""/>
-        <p:cNvGrpSpPr/>
-        <p:nvPr/>
-      </p:nvGrpSpPr>
-      <p:grpSpPr>
-        <a:xfrm>
-          <a:off x="0" y="0"/>
-          <a:ext cx="0" cy="0"/>
-          <a:chOff x="0" y="0"/>
-          <a:chExt cx="0" cy="0"/>
-        </a:xfrm>
-      </p:grpSpPr>
-      <p:sp>
-        <p:nvSpPr>
-          <p:cNvPr id="122" name="Limitations and Directions for Future Work"/>
-          <p:cNvSpPr txBox="1"/>
-          <p:nvPr>
-            <p:ph type="title"/>
-          </p:nvPr>
-        </p:nvSpPr>
-        <p:spPr>
-          <a:prstGeom prst="rect">
-            <a:avLst/>
-          </a:prstGeom>
-        </p:spPr>
-        <p:txBody>
-          <a:bodyPr/>
-          <a:lstStyle/>
-          <a:p>
-            <a:pPr/>
-            <a:r>
-              <a:t>Limitations and Directions for Future Work</a:t>
-            </a:r>
-          </a:p>
-        </p:txBody>
-      </p:sp>
-      <p:sp>
-        <p:nvSpPr>
-          <p:cNvPr id="123" name="Limitations…"/>
-          <p:cNvSpPr txBox="1"/>
-          <p:nvPr>
-            <p:ph type="body" idx="1"/>
-          </p:nvPr>
-        </p:nvSpPr>
-        <p:spPr>
-          <a:prstGeom prst="rect">
-            <a:avLst/>
-          </a:prstGeom>
-        </p:spPr>
-        <p:txBody>
-          <a:bodyPr/>
-          <a:lstStyle/>
-          <a:p>
-            <a:pPr/>
-            <a:r>
-              <a:t>Limitations</a:t>
-            </a:r>
-          </a:p>
-          <a:p>
-            <a:pPr lvl="1" marL="1371600" indent="-863600">
-              <a:lnSpc>
-                <a:spcPct val="150000"/>
-              </a:lnSpc>
-              <a:buSzPts val="5500"/>
-              <a:buChar char="•"/>
-              <a:defRPr sz="5500"/>
-            </a:pPr>
-            <a:r>
-              <a:t>What new problems are identified by this paper, if any?</a:t>
-            </a:r>
-          </a:p>
-          <a:p>
-            <a:pPr/>
-            <a:r>
-              <a:t>Future directions</a:t>
-            </a:r>
-          </a:p>
-          <a:p>
-            <a:pPr lvl="1" marL="1371600" indent="-863600">
-              <a:lnSpc>
-                <a:spcPct val="150000"/>
-              </a:lnSpc>
-              <a:buSzPts val="5500"/>
-              <a:buChar char="•"/>
-              <a:defRPr sz="5500"/>
-            </a:pPr>
-            <a:r>
-              <a:t>How can we build upon the ideas presented in this paper?</a:t>
-            </a:r>
-          </a:p>
-          <a:p>
-            <a:pPr/>
-            <a:r>
-              <a:t>Could be condensed with conclusions depending on paper and if you want more room for earlier sections</a:t>
-            </a:r>
-          </a:p>
-        </p:txBody>
-      </p:sp>
-      <p:sp>
-        <p:nvSpPr>
-          <p:cNvPr id="124" name="Slide Number"/>
-          <p:cNvSpPr txBox="1"/>
-          <p:nvPr>
-            <p:ph type="sldNum" sz="quarter" idx="2"/>
-          </p:nvPr>
-        </p:nvSpPr>
-        <p:spPr>
-          <a:xfrm>
-            <a:off x="22116607" y="12917246"/>
-            <a:ext cx="512058" cy="551101"/>
-          </a:xfrm>
-          <a:prstGeom prst="rect">
-            <a:avLst/>
-          </a:prstGeom>
-          <a:extLst>
-            <a:ext uri="{C572A759-6A51-4108-AA02-DFA0A04FC94B}">
-              <ma14:wrappingTextBoxFlag xmlns:ma14="http://schemas.microsoft.com/office/mac/drawingml/2011/main" val="1"/>
-            </a:ext>
-          </a:extLst>
-        </p:spPr>
-        <p:txBody>
-          <a:bodyPr/>
-          <a:lstStyle/>
-          <a:p>
-            <a:pPr/>
-            <a:fld id="{86CB4B4D-7CA3-9044-876B-883B54F8677D}" type="slidenum"/>
-          </a:p>
-        </p:txBody>
-      </p:sp>
-      <p:sp>
-        <p:nvSpPr>
-          <p:cNvPr id="125" name="Don’t forget to practice your slides to ensure you are near the desired 10-minute mark at this slide"/>
-          <p:cNvSpPr/>
-          <p:nvPr/>
-        </p:nvSpPr>
-        <p:spPr>
-          <a:xfrm>
-            <a:off x="5413650" y="10841092"/>
-            <a:ext cx="13556700" cy="1601976"/>
-          </a:xfrm>
-          <a:prstGeom prst="roundRect">
-            <a:avLst>
-              <a:gd name="adj" fmla="val 11892"/>
-            </a:avLst>
-          </a:prstGeom>
-          <a:solidFill>
-            <a:schemeClr val="accent5">
-              <a:hueOff val="-82419"/>
-              <a:satOff val="-9513"/>
-              <a:lumOff val="-16343"/>
-            </a:schemeClr>
-          </a:solidFill>
-          <a:ln w="12700">
-            <a:miter lim="400000"/>
-          </a:ln>
-          <a:extLst>
-            <a:ext uri="{C572A759-6A51-4108-AA02-DFA0A04FC94B}">
-              <ma14:wrappingTextBoxFlag xmlns:ma14="http://schemas.microsoft.com/office/mac/drawingml/2011/main" val="1"/>
-            </a:ext>
-          </a:extLst>
-        </p:spPr>
-        <p:txBody>
-          <a:bodyPr lIns="50800" tIns="50800" rIns="50800" bIns="50800" anchor="ctr"/>
-          <a:lstStyle>
-            <a:lvl1pPr algn="ctr" defTabSz="825500">
-              <a:lnSpc>
-                <a:spcPct val="100000"/>
-              </a:lnSpc>
-              <a:spcBef>
-                <a:spcPts val="0"/>
-              </a:spcBef>
-              <a:defRPr b="1" sz="3500">
-                <a:solidFill>
-                  <a:srgbClr val="FFFFFF"/>
-                </a:solidFill>
-              </a:defRPr>
-            </a:lvl1pPr>
-          </a:lstStyle>
-          <a:p>
-            <a:pPr/>
-            <a:r>
-              <a:t>Don’t forget to practice your slides to ensure you are near the desired 10-minute mark at this slide</a:t>
+              <a:t>University of Michigan &amp; Colorado School of Mines</a:t>
             </a:r>
           </a:p>
         </p:txBody>
@@ -3143,7 +2813,31 @@
       </p:grpSpPr>
       <p:sp>
         <p:nvSpPr>
-          <p:cNvPr id="77" name="Slide Number"/>
+          <p:cNvPr id="77" name="Hot Start (change this slide)"/>
+          <p:cNvSpPr txBox="1"/>
+          <p:nvPr>
+            <p:ph type="title"/>
+          </p:nvPr>
+        </p:nvSpPr>
+        <p:spPr>
+          <a:prstGeom prst="rect">
+            <a:avLst/>
+          </a:prstGeom>
+        </p:spPr>
+        <p:txBody>
+          <a:bodyPr/>
+          <a:lstStyle/>
+          <a:p>
+            <a:pPr/>
+            <a:r>
+              <a:t>Hot Start (change this slide)</a:t>
+            </a:r>
+          </a:p>
+        </p:txBody>
+      </p:sp>
+      <p:sp>
+        <p:nvSpPr>
+          <p:cNvPr id="78" name="Slide Number"/>
           <p:cNvSpPr txBox="1"/>
           <p:nvPr>
             <p:ph type="sldNum" sz="quarter" idx="2"/>
@@ -3174,499 +2868,7 @@
       </p:sp>
       <p:sp>
         <p:nvSpPr>
-          <p:cNvPr id="78" name="Presented by:"/>
-          <p:cNvSpPr txBox="1"/>
-          <p:nvPr>
-            <p:ph type="body" idx="22"/>
-          </p:nvPr>
-        </p:nvSpPr>
-        <p:spPr>
-          <a:prstGeom prst="rect">
-            <a:avLst/>
-          </a:prstGeom>
-          <a:extLst>
-            <a:ext uri="{C572A759-6A51-4108-AA02-DFA0A04FC94B}">
-              <ma14:wrappingTextBoxFlag xmlns:ma14="http://schemas.microsoft.com/office/mac/drawingml/2011/main" val="1"/>
-            </a:ext>
-          </a:extLst>
-        </p:spPr>
-        <p:txBody>
-          <a:bodyPr/>
-          <a:lstStyle>
-            <a:lvl1pPr>
-              <a:defRPr spc="-90" sz="4500"/>
-            </a:lvl1pPr>
-          </a:lstStyle>
-          <a:p>
-            <a:pPr/>
-            <a:r>
-              <a:t>Presented by:</a:t>
-            </a:r>
-          </a:p>
-        </p:txBody>
-      </p:sp>
-      <p:sp>
-        <p:nvSpPr>
-          <p:cNvPr id="79" name="First Student, Second Student, Third Student"/>
-          <p:cNvSpPr txBox="1"/>
-          <p:nvPr/>
-        </p:nvSpPr>
-        <p:spPr>
-          <a:xfrm>
-            <a:off x="5390463" y="9973095"/>
-            <a:ext cx="17253965" cy="1450515"/>
-          </a:xfrm>
-          <a:prstGeom prst="rect">
-            <a:avLst/>
-          </a:prstGeom>
-          <a:ln w="12700">
-            <a:miter lim="400000"/>
-          </a:ln>
-          <a:extLst>
-            <a:ext uri="{C572A759-6A51-4108-AA02-DFA0A04FC94B}">
-              <ma14:wrappingTextBoxFlag xmlns:ma14="http://schemas.microsoft.com/office/mac/drawingml/2011/main" val="1"/>
-            </a:ext>
-          </a:extLst>
-        </p:spPr>
-        <p:txBody>
-          <a:bodyPr lIns="50800" tIns="50800" rIns="50800" bIns="50800" anchor="ctr">
-            <a:normAutofit fontScale="100000" lnSpcReduction="0"/>
-          </a:bodyPr>
-          <a:lstStyle>
-            <a:lvl1pPr>
-              <a:lnSpc>
-                <a:spcPct val="80000"/>
-              </a:lnSpc>
-              <a:spcBef>
-                <a:spcPts val="0"/>
-              </a:spcBef>
-              <a:defRPr spc="-90" sz="4500">
-                <a:solidFill>
-                  <a:srgbClr val="333333"/>
-                </a:solidFill>
-                <a:latin typeface="Exo 2"/>
-                <a:ea typeface="Exo 2"/>
-                <a:cs typeface="Exo 2"/>
-                <a:sym typeface="Exo 2"/>
-              </a:defRPr>
-            </a:lvl1pPr>
-          </a:lstStyle>
-          <a:p>
-            <a:pPr/>
-            <a:r>
-              <a:t>First Student, Second Student, Third Student</a:t>
-            </a:r>
-          </a:p>
-        </p:txBody>
-      </p:sp>
-      <p:sp>
-        <p:nvSpPr>
-          <p:cNvPr id="80" name="Fourth Student, Fifth Student, Sixth Student"/>
-          <p:cNvSpPr txBox="1"/>
-          <p:nvPr/>
-        </p:nvSpPr>
-        <p:spPr>
-          <a:xfrm>
-            <a:off x="5390463" y="10736068"/>
-            <a:ext cx="17253965" cy="1450515"/>
-          </a:xfrm>
-          <a:prstGeom prst="rect">
-            <a:avLst/>
-          </a:prstGeom>
-          <a:ln w="12700">
-            <a:miter lim="400000"/>
-          </a:ln>
-          <a:extLst>
-            <a:ext uri="{C572A759-6A51-4108-AA02-DFA0A04FC94B}">
-              <ma14:wrappingTextBoxFlag xmlns:ma14="http://schemas.microsoft.com/office/mac/drawingml/2011/main" val="1"/>
-            </a:ext>
-          </a:extLst>
-        </p:spPr>
-        <p:txBody>
-          <a:bodyPr lIns="50800" tIns="50800" rIns="50800" bIns="50800" anchor="ctr">
-            <a:normAutofit fontScale="100000" lnSpcReduction="0"/>
-          </a:bodyPr>
-          <a:lstStyle>
-            <a:lvl1pPr>
-              <a:lnSpc>
-                <a:spcPct val="80000"/>
-              </a:lnSpc>
-              <a:spcBef>
-                <a:spcPts val="0"/>
-              </a:spcBef>
-              <a:defRPr spc="-90" sz="4500">
-                <a:solidFill>
-                  <a:srgbClr val="333333"/>
-                </a:solidFill>
-                <a:latin typeface="Exo 2"/>
-                <a:ea typeface="Exo 2"/>
-                <a:cs typeface="Exo 2"/>
-                <a:sym typeface="Exo 2"/>
-              </a:defRPr>
-            </a:lvl1pPr>
-          </a:lstStyle>
-          <a:p>
-            <a:pPr/>
-            <a:r>
-              <a:t>Fourth Student, Fifth Student, Sixth Student</a:t>
-            </a:r>
-          </a:p>
-        </p:txBody>
-      </p:sp>
-      <p:sp>
-        <p:nvSpPr>
-          <p:cNvPr id="81" name="By:"/>
-          <p:cNvSpPr txBox="1"/>
-          <p:nvPr/>
-        </p:nvSpPr>
-        <p:spPr>
-          <a:xfrm>
-            <a:off x="1206498" y="6452385"/>
-            <a:ext cx="1088899" cy="1450515"/>
-          </a:xfrm>
-          <a:prstGeom prst="rect">
-            <a:avLst/>
-          </a:prstGeom>
-          <a:ln w="12700">
-            <a:miter lim="400000"/>
-          </a:ln>
-          <a:extLst>
-            <a:ext uri="{C572A759-6A51-4108-AA02-DFA0A04FC94B}">
-              <ma14:wrappingTextBoxFlag xmlns:ma14="http://schemas.microsoft.com/office/mac/drawingml/2011/main" val="1"/>
-            </a:ext>
-          </a:extLst>
-        </p:spPr>
-        <p:txBody>
-          <a:bodyPr lIns="50800" tIns="50800" rIns="50800" bIns="50800" anchor="ctr">
-            <a:normAutofit fontScale="100000" lnSpcReduction="0"/>
-          </a:bodyPr>
-          <a:lstStyle>
-            <a:lvl1pPr>
-              <a:lnSpc>
-                <a:spcPct val="80000"/>
-              </a:lnSpc>
-              <a:spcBef>
-                <a:spcPts val="0"/>
-              </a:spcBef>
-              <a:defRPr spc="-90" sz="4500">
-                <a:solidFill>
-                  <a:srgbClr val="333333"/>
-                </a:solidFill>
-                <a:latin typeface="Exo 2"/>
-                <a:ea typeface="Exo 2"/>
-                <a:cs typeface="Exo 2"/>
-                <a:sym typeface="Exo 2"/>
-              </a:defRPr>
-            </a:lvl1pPr>
-          </a:lstStyle>
-          <a:p>
-            <a:pPr/>
-            <a:r>
-              <a:t>By:</a:t>
-            </a:r>
-          </a:p>
-        </p:txBody>
-      </p:sp>
-      <p:sp>
-        <p:nvSpPr>
-          <p:cNvPr id="82" name="Paper Title"/>
-          <p:cNvSpPr txBox="1"/>
-          <p:nvPr/>
-        </p:nvSpPr>
-        <p:spPr>
-          <a:xfrm>
-            <a:off x="1206496" y="1866900"/>
-            <a:ext cx="21971004" cy="4648200"/>
-          </a:xfrm>
-          <a:prstGeom prst="rect">
-            <a:avLst/>
-          </a:prstGeom>
-          <a:ln w="12700">
-            <a:miter lim="400000"/>
-          </a:ln>
-          <a:extLst>
-            <a:ext uri="{C572A759-6A51-4108-AA02-DFA0A04FC94B}">
-              <ma14:wrappingTextBoxFlag xmlns:ma14="http://schemas.microsoft.com/office/mac/drawingml/2011/main" val="1"/>
-            </a:ext>
-          </a:extLst>
-        </p:spPr>
-        <p:txBody>
-          <a:bodyPr lIns="50800" tIns="50800" rIns="50800" bIns="50800" anchor="ctr">
-            <a:normAutofit fontScale="100000" lnSpcReduction="0"/>
-          </a:bodyPr>
-          <a:lstStyle>
-            <a:lvl1pPr>
-              <a:lnSpc>
-                <a:spcPct val="80000"/>
-              </a:lnSpc>
-              <a:spcBef>
-                <a:spcPts val="0"/>
-              </a:spcBef>
-              <a:defRPr spc="-232" sz="11600">
-                <a:solidFill>
-                  <a:srgbClr val="333333"/>
-                </a:solidFill>
-                <a:latin typeface="Exo 2"/>
-                <a:ea typeface="Exo 2"/>
-                <a:cs typeface="Exo 2"/>
-                <a:sym typeface="Exo 2"/>
-              </a:defRPr>
-            </a:lvl1pPr>
-          </a:lstStyle>
-          <a:p>
-            <a:pPr/>
-            <a:r>
-              <a:t>Paper Title</a:t>
-            </a:r>
-          </a:p>
-        </p:txBody>
-      </p:sp>
-      <p:sp>
-        <p:nvSpPr>
-          <p:cNvPr id="83" name="Paper subtitled (if it has one)"/>
-          <p:cNvSpPr txBox="1"/>
-          <p:nvPr/>
-        </p:nvSpPr>
-        <p:spPr>
-          <a:xfrm>
-            <a:off x="1206498" y="5401095"/>
-            <a:ext cx="21971004" cy="1450515"/>
-          </a:xfrm>
-          <a:prstGeom prst="rect">
-            <a:avLst/>
-          </a:prstGeom>
-          <a:ln w="12700">
-            <a:miter lim="400000"/>
-          </a:ln>
-          <a:extLst>
-            <a:ext uri="{C572A759-6A51-4108-AA02-DFA0A04FC94B}">
-              <ma14:wrappingTextBoxFlag xmlns:ma14="http://schemas.microsoft.com/office/mac/drawingml/2011/main" val="1"/>
-            </a:ext>
-          </a:extLst>
-        </p:spPr>
-        <p:txBody>
-          <a:bodyPr lIns="50800" tIns="50800" rIns="50800" bIns="50800" anchor="ctr">
-            <a:normAutofit fontScale="100000" lnSpcReduction="0"/>
-          </a:bodyPr>
-          <a:lstStyle>
-            <a:lvl1pPr>
-              <a:lnSpc>
-                <a:spcPct val="80000"/>
-              </a:lnSpc>
-              <a:spcBef>
-                <a:spcPts val="0"/>
-              </a:spcBef>
-              <a:defRPr spc="-119" sz="6000">
-                <a:solidFill>
-                  <a:srgbClr val="333333"/>
-                </a:solidFill>
-                <a:latin typeface="Exo 2"/>
-                <a:ea typeface="Exo 2"/>
-                <a:cs typeface="Exo 2"/>
-                <a:sym typeface="Exo 2"/>
-              </a:defRPr>
-            </a:lvl1pPr>
-          </a:lstStyle>
-          <a:p>
-            <a:pPr/>
-            <a:r>
-              <a:t>Paper subtitled (if it has one)</a:t>
-            </a:r>
-          </a:p>
-        </p:txBody>
-      </p:sp>
-      <p:sp>
-        <p:nvSpPr>
-          <p:cNvPr id="84" name="First Author, Second Author, Third Author, Fourth Author, Fifth Author"/>
-          <p:cNvSpPr txBox="1"/>
-          <p:nvPr/>
-        </p:nvSpPr>
-        <p:spPr>
-          <a:xfrm>
-            <a:off x="2253009" y="6444628"/>
-            <a:ext cx="21971004" cy="1450515"/>
-          </a:xfrm>
-          <a:prstGeom prst="rect">
-            <a:avLst/>
-          </a:prstGeom>
-          <a:ln w="12700">
-            <a:miter lim="400000"/>
-          </a:ln>
-          <a:extLst>
-            <a:ext uri="{C572A759-6A51-4108-AA02-DFA0A04FC94B}">
-              <ma14:wrappingTextBoxFlag xmlns:ma14="http://schemas.microsoft.com/office/mac/drawingml/2011/main" val="1"/>
-            </a:ext>
-          </a:extLst>
-        </p:spPr>
-        <p:txBody>
-          <a:bodyPr lIns="50800" tIns="50800" rIns="50800" bIns="50800" anchor="ctr">
-            <a:normAutofit fontScale="100000" lnSpcReduction="0"/>
-          </a:bodyPr>
-          <a:lstStyle>
-            <a:lvl1pPr>
-              <a:lnSpc>
-                <a:spcPct val="80000"/>
-              </a:lnSpc>
-              <a:spcBef>
-                <a:spcPts val="0"/>
-              </a:spcBef>
-              <a:defRPr spc="-90" sz="4500">
-                <a:solidFill>
-                  <a:srgbClr val="333333"/>
-                </a:solidFill>
-                <a:latin typeface="Exo 2"/>
-                <a:ea typeface="Exo 2"/>
-                <a:cs typeface="Exo 2"/>
-                <a:sym typeface="Exo 2"/>
-              </a:defRPr>
-            </a:lvl1pPr>
-          </a:lstStyle>
-          <a:p>
-            <a:pPr/>
-            <a:r>
-              <a:t>First Author, Second Author, Third Author, Fourth Author, Fifth Author</a:t>
-            </a:r>
-          </a:p>
-        </p:txBody>
-      </p:sp>
-      <p:sp>
-        <p:nvSpPr>
-          <p:cNvPr id="85" name="Sixth Author, Seventh Author, Eighth Author, Tenth Author, Eleventh Author"/>
-          <p:cNvSpPr txBox="1"/>
-          <p:nvPr/>
-        </p:nvSpPr>
-        <p:spPr>
-          <a:xfrm>
-            <a:off x="2253009" y="7195477"/>
-            <a:ext cx="21971004" cy="1450515"/>
-          </a:xfrm>
-          <a:prstGeom prst="rect">
-            <a:avLst/>
-          </a:prstGeom>
-          <a:ln w="12700">
-            <a:miter lim="400000"/>
-          </a:ln>
-          <a:extLst>
-            <a:ext uri="{C572A759-6A51-4108-AA02-DFA0A04FC94B}">
-              <ma14:wrappingTextBoxFlag xmlns:ma14="http://schemas.microsoft.com/office/mac/drawingml/2011/main" val="1"/>
-            </a:ext>
-          </a:extLst>
-        </p:spPr>
-        <p:txBody>
-          <a:bodyPr lIns="50800" tIns="50800" rIns="50800" bIns="50800" anchor="ctr">
-            <a:normAutofit fontScale="100000" lnSpcReduction="0"/>
-          </a:bodyPr>
-          <a:lstStyle>
-            <a:lvl1pPr>
-              <a:lnSpc>
-                <a:spcPct val="80000"/>
-              </a:lnSpc>
-              <a:spcBef>
-                <a:spcPts val="0"/>
-              </a:spcBef>
-              <a:defRPr spc="-90" sz="4500">
-                <a:solidFill>
-                  <a:srgbClr val="333333"/>
-                </a:solidFill>
-                <a:latin typeface="Exo 2"/>
-                <a:ea typeface="Exo 2"/>
-                <a:cs typeface="Exo 2"/>
-                <a:sym typeface="Exo 2"/>
-              </a:defRPr>
-            </a:lvl1pPr>
-          </a:lstStyle>
-          <a:p>
-            <a:pPr/>
-            <a:r>
-              <a:t>Sixth Author, Seventh Author, Eighth Author, Tenth Author, Eleventh Author</a:t>
-            </a:r>
-          </a:p>
-        </p:txBody>
-      </p:sp>
-    </p:spTree>
-  </p:cSld>
-  <p:clrMapOvr>
-    <a:masterClrMapping/>
-  </p:clrMapOvr>
-  <p:transition xmlns:p14="http://schemas.microsoft.com/office/powerpoint/2010/main" spd="med" advClick="1"/>
-</p:sld>
-</file>
-
-<file path=ppt/slides/slide3.xml><?xml version="1.0" encoding="utf-8"?>
-<p:sld xmlns:a="http://schemas.openxmlformats.org/drawingml/2006/main" xmlns:r="http://schemas.openxmlformats.org/officeDocument/2006/relationships" xmlns:p="http://schemas.openxmlformats.org/presentationml/2006/main" xmlns:m="http://schemas.openxmlformats.org/officeDocument/2006/math" xmlns:a14="http://schemas.microsoft.com/office/drawing/2010/main" showMasterSp="1" showMasterPhAnim="1">
-  <p:cSld>
-    <p:spTree>
-      <p:nvGrpSpPr>
-        <p:cNvPr id="1" name=""/>
-        <p:cNvGrpSpPr/>
-        <p:nvPr/>
-      </p:nvGrpSpPr>
-      <p:grpSpPr>
-        <a:xfrm>
-          <a:off x="0" y="0"/>
-          <a:ext cx="0" cy="0"/>
-          <a:chOff x="0" y="0"/>
-          <a:chExt cx="0" cy="0"/>
-        </a:xfrm>
-      </p:grpSpPr>
-      <p:sp>
-        <p:nvSpPr>
-          <p:cNvPr id="87" name="Hot Start (change your slide title)"/>
-          <p:cNvSpPr txBox="1"/>
-          <p:nvPr>
-            <p:ph type="title"/>
-          </p:nvPr>
-        </p:nvSpPr>
-        <p:spPr>
-          <a:prstGeom prst="rect">
-            <a:avLst/>
-          </a:prstGeom>
-        </p:spPr>
-        <p:txBody>
-          <a:bodyPr/>
-          <a:lstStyle/>
-          <a:p>
-            <a:pPr/>
-            <a:r>
-              <a:t>Hot Start (change your slide title)</a:t>
-            </a:r>
-          </a:p>
-        </p:txBody>
-      </p:sp>
-      <p:sp>
-        <p:nvSpPr>
-          <p:cNvPr id="88" name="Slide Number"/>
-          <p:cNvSpPr txBox="1"/>
-          <p:nvPr>
-            <p:ph type="sldNum" sz="quarter" idx="2"/>
-          </p:nvPr>
-        </p:nvSpPr>
-        <p:spPr>
-          <a:xfrm>
-            <a:off x="22190128" y="12917246"/>
-            <a:ext cx="365016" cy="551101"/>
-          </a:xfrm>
-          <a:prstGeom prst="rect">
-            <a:avLst/>
-          </a:prstGeom>
-          <a:extLst>
-            <a:ext uri="{C572A759-6A51-4108-AA02-DFA0A04FC94B}">
-              <ma14:wrappingTextBoxFlag xmlns:ma14="http://schemas.microsoft.com/office/mac/drawingml/2011/main" val="1"/>
-            </a:ext>
-          </a:extLst>
-        </p:spPr>
-        <p:txBody>
-          <a:bodyPr/>
-          <a:lstStyle/>
-          <a:p>
-            <a:pPr/>
-            <a:fld id="{86CB4B4D-7CA3-9044-876B-883B54F8677D}" type="slidenum"/>
-          </a:p>
-        </p:txBody>
-      </p:sp>
-      <p:sp>
-        <p:nvSpPr>
-          <p:cNvPr id="89" name="Consider this a skeleton for your final project presentations"/>
+          <p:cNvPr id="79" name="Consider this a skeleton for your final project presentations"/>
           <p:cNvSpPr/>
           <p:nvPr/>
         </p:nvSpPr>
@@ -3715,7 +2917,7 @@
       </p:sp>
       <p:sp>
         <p:nvSpPr>
-          <p:cNvPr id="90" name="You can reorder, remove, or add sections but the audience should leave with an understanding of your paper in each of the categories on the following slides"/>
+          <p:cNvPr id="80" name="You can reorder, remove, or add sections but the audience should leave with an understanding of your paper in each of the categories on the following slides"/>
           <p:cNvSpPr/>
           <p:nvPr/>
         </p:nvSpPr>
@@ -3764,7 +2966,7 @@
       </p:sp>
       <p:sp>
         <p:nvSpPr>
-          <p:cNvPr id="91" name="Important advice: when adding any text or figures to slides, always consider how large the text needs to be for it to be readable by the most distant audience member"/>
+          <p:cNvPr id="81" name="Important advice: when adding any text or figures to slides, always consider how large the text needs to be for it to be readable by the most distant audience member"/>
           <p:cNvSpPr/>
           <p:nvPr/>
         </p:nvSpPr>
@@ -3823,7 +3025,7 @@
       </p:sp>
       <p:sp>
         <p:nvSpPr>
-          <p:cNvPr id="92" name="Creating more interesting slide titles is also recommended"/>
+          <p:cNvPr id="82" name="Creating more interesting slide titles is also recommended"/>
           <p:cNvSpPr/>
           <p:nvPr/>
         </p:nvSpPr>
@@ -3879,6 +3081,129 @@
 </p:sld>
 </file>
 
+<file path=ppt/slides/slide3.xml><?xml version="1.0" encoding="utf-8"?>
+<p:sld xmlns:a="http://schemas.openxmlformats.org/drawingml/2006/main" xmlns:r="http://schemas.openxmlformats.org/officeDocument/2006/relationships" xmlns:p="http://schemas.openxmlformats.org/presentationml/2006/main" xmlns:m="http://schemas.openxmlformats.org/officeDocument/2006/math" xmlns:a14="http://schemas.microsoft.com/office/drawing/2010/main" showMasterSp="1" showMasterPhAnim="1">
+  <p:cSld>
+    <p:spTree>
+      <p:nvGrpSpPr>
+        <p:cNvPr id="1" name=""/>
+        <p:cNvGrpSpPr/>
+        <p:nvPr/>
+      </p:nvGrpSpPr>
+      <p:grpSpPr>
+        <a:xfrm>
+          <a:off x="0" y="0"/>
+          <a:ext cx="0" cy="0"/>
+          <a:chOff x="0" y="0"/>
+          <a:chExt cx="0" cy="0"/>
+        </a:xfrm>
+      </p:grpSpPr>
+      <p:sp>
+        <p:nvSpPr>
+          <p:cNvPr id="84" name="Value Proposition (change your slide title)"/>
+          <p:cNvSpPr txBox="1"/>
+          <p:nvPr>
+            <p:ph type="title"/>
+          </p:nvPr>
+        </p:nvSpPr>
+        <p:spPr>
+          <a:prstGeom prst="rect">
+            <a:avLst/>
+          </a:prstGeom>
+        </p:spPr>
+        <p:txBody>
+          <a:bodyPr/>
+          <a:lstStyle/>
+          <a:p>
+            <a:pPr/>
+            <a:r>
+              <a:t>Value Proposition (change your slide title)</a:t>
+            </a:r>
+          </a:p>
+        </p:txBody>
+      </p:sp>
+      <p:sp>
+        <p:nvSpPr>
+          <p:cNvPr id="85" name="Background on what problem the paper sets out to address…"/>
+          <p:cNvSpPr txBox="1"/>
+          <p:nvPr>
+            <p:ph type="body" idx="1"/>
+          </p:nvPr>
+        </p:nvSpPr>
+        <p:spPr>
+          <a:prstGeom prst="rect">
+            <a:avLst/>
+          </a:prstGeom>
+        </p:spPr>
+        <p:txBody>
+          <a:bodyPr/>
+          <a:lstStyle/>
+          <a:p>
+            <a:pPr>
+              <a:lnSpc>
+                <a:spcPct val="300000"/>
+              </a:lnSpc>
+              <a:buSzPts val="6100"/>
+              <a:defRPr sz="6100"/>
+            </a:pPr>
+            <a:r>
+              <a:t>Background on what problem the paper sets out to address</a:t>
+            </a:r>
+          </a:p>
+          <a:p>
+            <a:pPr>
+              <a:lnSpc>
+                <a:spcPct val="300000"/>
+              </a:lnSpc>
+              <a:buSzPts val="6100"/>
+              <a:defRPr sz="6100"/>
+            </a:pPr>
+            <a:r>
+              <a:t>What benefits can be realized if we solve this problem?</a:t>
+            </a:r>
+          </a:p>
+        </p:txBody>
+      </p:sp>
+      <p:sp>
+        <p:nvSpPr>
+          <p:cNvPr id="86" name="Slide Number"/>
+          <p:cNvSpPr txBox="1"/>
+          <p:nvPr>
+            <p:ph type="sldNum" sz="quarter" idx="2"/>
+          </p:nvPr>
+        </p:nvSpPr>
+        <p:spPr>
+          <a:xfrm>
+            <a:off x="22190128" y="12917246"/>
+            <a:ext cx="365016" cy="551101"/>
+          </a:xfrm>
+          <a:prstGeom prst="rect">
+            <a:avLst/>
+          </a:prstGeom>
+          <a:extLst>
+            <a:ext uri="{C572A759-6A51-4108-AA02-DFA0A04FC94B}">
+              <ma14:wrappingTextBoxFlag xmlns:ma14="http://schemas.microsoft.com/office/mac/drawingml/2011/main" val="1"/>
+            </a:ext>
+          </a:extLst>
+        </p:spPr>
+        <p:txBody>
+          <a:bodyPr/>
+          <a:lstStyle/>
+          <a:p>
+            <a:pPr/>
+            <a:fld id="{86CB4B4D-7CA3-9044-876B-883B54F8677D}" type="slidenum"/>
+          </a:p>
+        </p:txBody>
+      </p:sp>
+    </p:spTree>
+  </p:cSld>
+  <p:clrMapOvr>
+    <a:masterClrMapping/>
+  </p:clrMapOvr>
+  <p:transition xmlns:p14="http://schemas.microsoft.com/office/powerpoint/2010/main" spd="med" advClick="1"/>
+</p:sld>
+</file>
+
 <file path=ppt/slides/slide4.xml><?xml version="1.0" encoding="utf-8"?>
 <p:sld xmlns:a="http://schemas.openxmlformats.org/drawingml/2006/main" xmlns:r="http://schemas.openxmlformats.org/officeDocument/2006/relationships" xmlns:p="http://schemas.openxmlformats.org/presentationml/2006/main" xmlns:m="http://schemas.openxmlformats.org/officeDocument/2006/math" xmlns:a14="http://schemas.microsoft.com/office/drawing/2010/main" showMasterSp="1" showMasterPhAnim="1">
   <p:cSld>
@@ -3898,7 +3223,7 @@
       </p:grpSpPr>
       <p:sp>
         <p:nvSpPr>
-          <p:cNvPr id="94" name="The Authors"/>
+          <p:cNvPr id="88" name="Background"/>
           <p:cNvSpPr txBox="1"/>
           <p:nvPr>
             <p:ph type="title"/>
@@ -3915,14 +3240,14 @@
           <a:p>
             <a:pPr/>
             <a:r>
-              <a:t>The Authors</a:t>
+              <a:t>Background</a:t>
             </a:r>
           </a:p>
         </p:txBody>
       </p:sp>
       <p:sp>
         <p:nvSpPr>
-          <p:cNvPr id="95" name="First Author…"/>
+          <p:cNvPr id="89" name="Double-click to edit"/>
           <p:cNvSpPr txBox="1"/>
           <p:nvPr>
             <p:ph type="body" idx="1"/>
@@ -3937,78 +3262,21 @@
           <a:bodyPr/>
           <a:lstStyle/>
           <a:p>
-            <a:pPr/>
-            <a:r>
-              <a:t>First Author</a:t>
-            </a:r>
-          </a:p>
-          <a:p>
-            <a:pPr lvl="1" marL="1371600" indent="-863600">
-              <a:buSzPts val="5000"/>
-              <a:buChar char="•"/>
-              <a:defRPr sz="5000"/>
+            <a:pPr marL="1185333" indent="-1185333">
+              <a:lnSpc>
+                <a:spcPct val="150000"/>
+              </a:lnSpc>
+              <a:buClrTx/>
+              <a:buSzPct val="100000"/>
+              <a:buFontTx/>
+              <a:buAutoNum type="arabicPeriod" startAt="1"/>
             </a:pPr>
-            <a:r>
-              <a:t>Position/role (e.g. PhD student at Univ., Research scientist at company)</a:t>
-            </a:r>
-          </a:p>
-          <a:p>
-            <a:pPr lvl="1" marL="1371600" indent="-863600">
-              <a:lnSpc>
-                <a:spcPct val="170000"/>
-              </a:lnSpc>
-              <a:buSzPts val="5000"/>
-              <a:buChar char="•"/>
-              <a:defRPr sz="5000"/>
-            </a:pPr>
-            <a:r>
-              <a:t>Additional info (e.g. Advised by: Professor &lt;insert&gt;)</a:t>
-            </a:r>
-          </a:p>
-          <a:p>
-            <a:pPr/>
-            <a:r>
-              <a:t>Second Author</a:t>
-            </a:r>
-          </a:p>
-          <a:p>
-            <a:pPr lvl="1" marL="1371600" indent="-863600">
-              <a:buSzPts val="5000"/>
-              <a:buChar char="•"/>
-              <a:defRPr sz="5000"/>
-            </a:pPr>
-            <a:r>
-              <a:t>Position/role (e.g. PhD student at Univ., Research scientist at company)</a:t>
-            </a:r>
-          </a:p>
-          <a:p>
-            <a:pPr lvl="1" marL="1371600" indent="-863600">
-              <a:lnSpc>
-                <a:spcPct val="170000"/>
-              </a:lnSpc>
-              <a:buSzPts val="5000"/>
-              <a:buChar char="•"/>
-              <a:defRPr sz="5000"/>
-            </a:pPr>
-            <a:r>
-              <a:t>Additional info (e.g. Advised by: Professor &lt;insert&gt;)</a:t>
-            </a:r>
-          </a:p>
-          <a:p>
-            <a:pPr>
-              <a:lnSpc>
-                <a:spcPct val="170000"/>
-              </a:lnSpc>
-            </a:pPr>
-            <a:r>
-              <a:t>Etc.</a:t>
-            </a:r>
           </a:p>
         </p:txBody>
       </p:sp>
       <p:sp>
         <p:nvSpPr>
-          <p:cNvPr id="96" name="Slide Number"/>
+          <p:cNvPr id="90" name="Slide Number"/>
           <p:cNvSpPr txBox="1"/>
           <p:nvPr>
             <p:ph type="sldNum" sz="quarter" idx="2"/>
@@ -4065,7 +3333,7 @@
       </p:grpSpPr>
       <p:sp>
         <p:nvSpPr>
-          <p:cNvPr id="98" name="Value Proposition (change your slide title)"/>
+          <p:cNvPr id="92" name="Proposed Approach"/>
           <p:cNvSpPr txBox="1"/>
           <p:nvPr>
             <p:ph type="title"/>
@@ -4082,14 +3350,14 @@
           <a:p>
             <a:pPr/>
             <a:r>
-              <a:t>Value Proposition (change your slide title)</a:t>
+              <a:t>Proposed Approach</a:t>
             </a:r>
           </a:p>
         </p:txBody>
       </p:sp>
       <p:sp>
         <p:nvSpPr>
-          <p:cNvPr id="99" name="Background on what problem the paper sets out to address…"/>
+          <p:cNvPr id="93" name="Double-click to edit"/>
           <p:cNvSpPr txBox="1"/>
           <p:nvPr>
             <p:ph type="body" idx="1"/>
@@ -4106,32 +3374,15 @@
           <a:p>
             <a:pPr>
               <a:lnSpc>
-                <a:spcPct val="300000"/>
+                <a:spcPct val="260000"/>
               </a:lnSpc>
-              <a:buSzPts val="6100"/>
-              <a:defRPr sz="6100"/>
             </a:pPr>
-            <a:r>
-              <a:t>Background on what problem the paper sets out to address</a:t>
-            </a:r>
-          </a:p>
-          <a:p>
-            <a:pPr>
-              <a:lnSpc>
-                <a:spcPct val="300000"/>
-              </a:lnSpc>
-              <a:buSzPts val="6100"/>
-              <a:defRPr sz="6100"/>
-            </a:pPr>
-            <a:r>
-              <a:t>What benefits can be realized if we solve this problem?</a:t>
-            </a:r>
           </a:p>
         </p:txBody>
       </p:sp>
       <p:sp>
         <p:nvSpPr>
-          <p:cNvPr id="100" name="Slide Number"/>
+          <p:cNvPr id="94" name="Slide Number"/>
           <p:cNvSpPr txBox="1"/>
           <p:nvPr>
             <p:ph type="sldNum" sz="quarter" idx="2"/>
@@ -4188,7 +3439,7 @@
       </p:grpSpPr>
       <p:sp>
         <p:nvSpPr>
-          <p:cNvPr id="102" name="Contributions"/>
+          <p:cNvPr id="96" name="Plan"/>
           <p:cNvSpPr txBox="1"/>
           <p:nvPr>
             <p:ph type="title"/>
@@ -4205,328 +3456,14 @@
           <a:p>
             <a:pPr/>
             <a:r>
-              <a:t>Contributions</a:t>
+              <a:t>Plan</a:t>
             </a:r>
           </a:p>
         </p:txBody>
       </p:sp>
       <p:sp>
         <p:nvSpPr>
-          <p:cNvPr id="103" name="First Contribution…"/>
-          <p:cNvSpPr txBox="1"/>
-          <p:nvPr>
-            <p:ph type="body" idx="1"/>
-          </p:nvPr>
-        </p:nvSpPr>
-        <p:spPr>
-          <a:prstGeom prst="rect">
-            <a:avLst/>
-          </a:prstGeom>
-        </p:spPr>
-        <p:txBody>
-          <a:bodyPr/>
-          <a:lstStyle/>
-          <a:p>
-            <a:pPr marL="1090506" indent="-1090506" defTabSz="1682495">
-              <a:lnSpc>
-                <a:spcPct val="150000"/>
-              </a:lnSpc>
-              <a:spcBef>
-                <a:spcPts val="1100"/>
-              </a:spcBef>
-              <a:buClrTx/>
-              <a:buSzPct val="100000"/>
-              <a:buFontTx/>
-              <a:buAutoNum type="arabicPeriod" startAt="1"/>
-              <a:defRPr sz="5888"/>
-            </a:pPr>
-            <a:r>
-              <a:t>First Contribution</a:t>
-            </a:r>
-          </a:p>
-          <a:p>
-            <a:pPr marL="1090506" indent="-1090506" defTabSz="1682495">
-              <a:lnSpc>
-                <a:spcPct val="150000"/>
-              </a:lnSpc>
-              <a:spcBef>
-                <a:spcPts val="1100"/>
-              </a:spcBef>
-              <a:buClrTx/>
-              <a:buSzPct val="100000"/>
-              <a:buFontTx/>
-              <a:buAutoNum type="arabicPeriod" startAt="1"/>
-              <a:defRPr sz="5888"/>
-            </a:pPr>
-            <a:r>
-              <a:t>Second Contribution</a:t>
-            </a:r>
-          </a:p>
-          <a:p>
-            <a:pPr marL="1090506" indent="-1090506" defTabSz="1682495">
-              <a:lnSpc>
-                <a:spcPct val="150000"/>
-              </a:lnSpc>
-              <a:spcBef>
-                <a:spcPts val="1100"/>
-              </a:spcBef>
-              <a:buClrTx/>
-              <a:buSzPct val="100000"/>
-              <a:buFontTx/>
-              <a:buAutoNum type="arabicPeriod" startAt="1"/>
-              <a:defRPr sz="5888"/>
-            </a:pPr>
-            <a:r>
-              <a:t>Third Contribution</a:t>
-            </a:r>
-          </a:p>
-          <a:p>
-            <a:pPr marL="1090506" indent="-1090506" defTabSz="1682495">
-              <a:lnSpc>
-                <a:spcPct val="150000"/>
-              </a:lnSpc>
-              <a:spcBef>
-                <a:spcPts val="1100"/>
-              </a:spcBef>
-              <a:buClrTx/>
-              <a:buSzPct val="100000"/>
-              <a:buFontTx/>
-              <a:buAutoNum type="arabicPeriod" startAt="1"/>
-              <a:defRPr sz="5888"/>
-            </a:pPr>
-            <a:r>
-              <a:t>Etc.</a:t>
-            </a:r>
-          </a:p>
-          <a:p>
-            <a:pPr marL="747776" indent="-747776" defTabSz="1682495">
-              <a:spcBef>
-                <a:spcPts val="1100"/>
-              </a:spcBef>
-              <a:buClrTx/>
-              <a:buSzPct val="123000"/>
-              <a:buFontTx/>
-              <a:defRPr sz="5888"/>
-            </a:pPr>
-            <a:r>
-              <a:t>What information and ideas should the audience expect to learn from your presentation? </a:t>
-            </a:r>
-            <a:br/>
-            <a:r>
-              <a:t>These likely tie in with the value proposition.</a:t>
-            </a:r>
-          </a:p>
-        </p:txBody>
-      </p:sp>
-      <p:sp>
-        <p:nvSpPr>
-          <p:cNvPr id="104" name="Slide Number"/>
-          <p:cNvSpPr txBox="1"/>
-          <p:nvPr>
-            <p:ph type="sldNum" sz="quarter" idx="2"/>
-          </p:nvPr>
-        </p:nvSpPr>
-        <p:spPr>
-          <a:xfrm>
-            <a:off x="22190128" y="12917246"/>
-            <a:ext cx="365016" cy="551101"/>
-          </a:xfrm>
-          <a:prstGeom prst="rect">
-            <a:avLst/>
-          </a:prstGeom>
-          <a:extLst>
-            <a:ext uri="{C572A759-6A51-4108-AA02-DFA0A04FC94B}">
-              <ma14:wrappingTextBoxFlag xmlns:ma14="http://schemas.microsoft.com/office/mac/drawingml/2011/main" val="1"/>
-            </a:ext>
-          </a:extLst>
-        </p:spPr>
-        <p:txBody>
-          <a:bodyPr/>
-          <a:lstStyle/>
-          <a:p>
-            <a:pPr/>
-            <a:fld id="{86CB4B4D-7CA3-9044-876B-883B54F8677D}" type="slidenum"/>
-          </a:p>
-        </p:txBody>
-      </p:sp>
-    </p:spTree>
-  </p:cSld>
-  <p:clrMapOvr>
-    <a:masterClrMapping/>
-  </p:clrMapOvr>
-  <p:transition xmlns:p14="http://schemas.microsoft.com/office/powerpoint/2010/main" spd="med" advClick="1"/>
-</p:sld>
-</file>
-
-<file path=ppt/slides/slide7.xml><?xml version="1.0" encoding="utf-8"?>
-<p:sld xmlns:a="http://schemas.openxmlformats.org/drawingml/2006/main" xmlns:r="http://schemas.openxmlformats.org/officeDocument/2006/relationships" xmlns:p="http://schemas.openxmlformats.org/presentationml/2006/main" xmlns:m="http://schemas.openxmlformats.org/officeDocument/2006/math" xmlns:a14="http://schemas.microsoft.com/office/drawing/2010/main" showMasterSp="1" showMasterPhAnim="1">
-  <p:cSld>
-    <p:spTree>
-      <p:nvGrpSpPr>
-        <p:cNvPr id="1" name=""/>
-        <p:cNvGrpSpPr/>
-        <p:nvPr/>
-      </p:nvGrpSpPr>
-      <p:grpSpPr>
-        <a:xfrm>
-          <a:off x="0" y="0"/>
-          <a:ext cx="0" cy="0"/>
-          <a:chOff x="0" y="0"/>
-          <a:chExt cx="0" cy="0"/>
-        </a:xfrm>
-      </p:grpSpPr>
-      <p:sp>
-        <p:nvSpPr>
-          <p:cNvPr id="106" name="Background"/>
-          <p:cNvSpPr txBox="1"/>
-          <p:nvPr>
-            <p:ph type="title"/>
-          </p:nvPr>
-        </p:nvSpPr>
-        <p:spPr>
-          <a:prstGeom prst="rect">
-            <a:avLst/>
-          </a:prstGeom>
-        </p:spPr>
-        <p:txBody>
-          <a:bodyPr/>
-          <a:lstStyle/>
-          <a:p>
-            <a:pPr/>
-            <a:r>
-              <a:t>Background</a:t>
-            </a:r>
-          </a:p>
-        </p:txBody>
-      </p:sp>
-      <p:sp>
-        <p:nvSpPr>
-          <p:cNvPr id="107" name="What has made the problem difficult in the past?…"/>
-          <p:cNvSpPr txBox="1"/>
-          <p:nvPr>
-            <p:ph type="body" idx="1"/>
-          </p:nvPr>
-        </p:nvSpPr>
-        <p:spPr>
-          <a:prstGeom prst="rect">
-            <a:avLst/>
-          </a:prstGeom>
-        </p:spPr>
-        <p:txBody>
-          <a:bodyPr/>
-          <a:lstStyle/>
-          <a:p>
-            <a:pPr>
-              <a:lnSpc>
-                <a:spcPct val="260000"/>
-              </a:lnSpc>
-            </a:pPr>
-            <a:r>
-              <a:t>What has made the problem difficult in the past?</a:t>
-            </a:r>
-          </a:p>
-          <a:p>
-            <a:pPr>
-              <a:lnSpc>
-                <a:spcPct val="260000"/>
-              </a:lnSpc>
-            </a:pPr>
-            <a:r>
-              <a:t>What was known about the problem before this paper?</a:t>
-            </a:r>
-          </a:p>
-          <a:p>
-            <a:pPr/>
-            <a:r>
-              <a:t>Is there other background information the audience needs to know for understanding this paper’s insight?</a:t>
-            </a:r>
-          </a:p>
-        </p:txBody>
-      </p:sp>
-      <p:sp>
-        <p:nvSpPr>
-          <p:cNvPr id="108" name="Slide Number"/>
-          <p:cNvSpPr txBox="1"/>
-          <p:nvPr>
-            <p:ph type="sldNum" sz="quarter" idx="2"/>
-          </p:nvPr>
-        </p:nvSpPr>
-        <p:spPr>
-          <a:xfrm>
-            <a:off x="22190128" y="12917246"/>
-            <a:ext cx="365016" cy="551101"/>
-          </a:xfrm>
-          <a:prstGeom prst="rect">
-            <a:avLst/>
-          </a:prstGeom>
-          <a:extLst>
-            <a:ext uri="{C572A759-6A51-4108-AA02-DFA0A04FC94B}">
-              <ma14:wrappingTextBoxFlag xmlns:ma14="http://schemas.microsoft.com/office/mac/drawingml/2011/main" val="1"/>
-            </a:ext>
-          </a:extLst>
-        </p:spPr>
-        <p:txBody>
-          <a:bodyPr/>
-          <a:lstStyle/>
-          <a:p>
-            <a:pPr/>
-            <a:fld id="{86CB4B4D-7CA3-9044-876B-883B54F8677D}" type="slidenum"/>
-          </a:p>
-        </p:txBody>
-      </p:sp>
-    </p:spTree>
-  </p:cSld>
-  <p:clrMapOvr>
-    <a:masterClrMapping/>
-  </p:clrMapOvr>
-  <p:transition xmlns:p14="http://schemas.microsoft.com/office/powerpoint/2010/main" spd="med" advClick="1"/>
-</p:sld>
-</file>
-
-<file path=ppt/slides/slide8.xml><?xml version="1.0" encoding="utf-8"?>
-<p:sld xmlns:a="http://schemas.openxmlformats.org/drawingml/2006/main" xmlns:r="http://schemas.openxmlformats.org/officeDocument/2006/relationships" xmlns:p="http://schemas.openxmlformats.org/presentationml/2006/main" xmlns:m="http://schemas.openxmlformats.org/officeDocument/2006/math" xmlns:a14="http://schemas.microsoft.com/office/drawing/2010/main" showMasterSp="1" showMasterPhAnim="1">
-  <p:cSld>
-    <p:spTree>
-      <p:nvGrpSpPr>
-        <p:cNvPr id="1" name=""/>
-        <p:cNvGrpSpPr/>
-        <p:nvPr/>
-      </p:nvGrpSpPr>
-      <p:grpSpPr>
-        <a:xfrm>
-          <a:off x="0" y="0"/>
-          <a:ext cx="0" cy="0"/>
-          <a:chOff x="0" y="0"/>
-          <a:chExt cx="0" cy="0"/>
-        </a:xfrm>
-      </p:grpSpPr>
-      <p:sp>
-        <p:nvSpPr>
-          <p:cNvPr id="110" name="Approach"/>
-          <p:cNvSpPr txBox="1"/>
-          <p:nvPr>
-            <p:ph type="title"/>
-          </p:nvPr>
-        </p:nvSpPr>
-        <p:spPr>
-          <a:prstGeom prst="rect">
-            <a:avLst/>
-          </a:prstGeom>
-        </p:spPr>
-        <p:txBody>
-          <a:bodyPr/>
-          <a:lstStyle/>
-          <a:p>
-            <a:pPr/>
-            <a:r>
-              <a:t>Approach</a:t>
-            </a:r>
-          </a:p>
-        </p:txBody>
-      </p:sp>
-      <p:sp>
-        <p:nvSpPr>
-          <p:cNvPr id="111" name="What is the key technical insight of this paper?…"/>
+          <p:cNvPr id="97" name="Double-click to edit"/>
           <p:cNvSpPr txBox="1"/>
           <p:nvPr>
             <p:ph type="body" idx="1"/>
@@ -4546,145 +3483,12 @@
                 <a:spcPct val="300000"/>
               </a:lnSpc>
             </a:pPr>
-            <a:r>
-              <a:t>What is the key technical insight of this paper?</a:t>
-            </a:r>
-          </a:p>
-          <a:p>
-            <a:pPr/>
-            <a:r>
-              <a:t>Walking through figures tends to be more successful than slides of all text and equations</a:t>
-            </a:r>
           </a:p>
         </p:txBody>
       </p:sp>
       <p:sp>
         <p:nvSpPr>
-          <p:cNvPr id="112" name="Slide Number"/>
-          <p:cNvSpPr txBox="1"/>
-          <p:nvPr>
-            <p:ph type="sldNum" sz="quarter" idx="2"/>
-          </p:nvPr>
-        </p:nvSpPr>
-        <p:spPr>
-          <a:xfrm>
-            <a:off x="22190128" y="12917246"/>
-            <a:ext cx="365016" cy="551101"/>
-          </a:xfrm>
-          <a:prstGeom prst="rect">
-            <a:avLst/>
-          </a:prstGeom>
-          <a:extLst>
-            <a:ext uri="{C572A759-6A51-4108-AA02-DFA0A04FC94B}">
-              <ma14:wrappingTextBoxFlag xmlns:ma14="http://schemas.microsoft.com/office/mac/drawingml/2011/main" val="1"/>
-            </a:ext>
-          </a:extLst>
-        </p:spPr>
-        <p:txBody>
-          <a:bodyPr/>
-          <a:lstStyle/>
-          <a:p>
-            <a:pPr/>
-            <a:fld id="{86CB4B4D-7CA3-9044-876B-883B54F8677D}" type="slidenum"/>
-          </a:p>
-        </p:txBody>
-      </p:sp>
-    </p:spTree>
-  </p:cSld>
-  <p:clrMapOvr>
-    <a:masterClrMapping/>
-  </p:clrMapOvr>
-  <p:transition xmlns:p14="http://schemas.microsoft.com/office/powerpoint/2010/main" spd="med" advClick="1"/>
-</p:sld>
-</file>
-
-<file path=ppt/slides/slide9.xml><?xml version="1.0" encoding="utf-8"?>
-<p:sld xmlns:a="http://schemas.openxmlformats.org/drawingml/2006/main" xmlns:r="http://schemas.openxmlformats.org/officeDocument/2006/relationships" xmlns:p="http://schemas.openxmlformats.org/presentationml/2006/main" xmlns:m="http://schemas.openxmlformats.org/officeDocument/2006/math" xmlns:a14="http://schemas.microsoft.com/office/drawing/2010/main" showMasterSp="1" showMasterPhAnim="1">
-  <p:cSld>
-    <p:spTree>
-      <p:nvGrpSpPr>
-        <p:cNvPr id="1" name=""/>
-        <p:cNvGrpSpPr/>
-        <p:nvPr/>
-      </p:nvGrpSpPr>
-      <p:grpSpPr>
-        <a:xfrm>
-          <a:off x="0" y="0"/>
-          <a:ext cx="0" cy="0"/>
-          <a:chOff x="0" y="0"/>
-          <a:chExt cx="0" cy="0"/>
-        </a:xfrm>
-      </p:grpSpPr>
-      <p:sp>
-        <p:nvSpPr>
-          <p:cNvPr id="114" name="Results"/>
-          <p:cNvSpPr txBox="1"/>
-          <p:nvPr>
-            <p:ph type="title"/>
-          </p:nvPr>
-        </p:nvSpPr>
-        <p:spPr>
-          <a:prstGeom prst="rect">
-            <a:avLst/>
-          </a:prstGeom>
-        </p:spPr>
-        <p:txBody>
-          <a:bodyPr/>
-          <a:lstStyle/>
-          <a:p>
-            <a:pPr/>
-            <a:r>
-              <a:t>Results</a:t>
-            </a:r>
-          </a:p>
-        </p:txBody>
-      </p:sp>
-      <p:sp>
-        <p:nvSpPr>
-          <p:cNvPr id="115" name="How was the proposed approach analyzed?…"/>
-          <p:cNvSpPr txBox="1"/>
-          <p:nvPr>
-            <p:ph type="body" idx="1"/>
-          </p:nvPr>
-        </p:nvSpPr>
-        <p:spPr>
-          <a:prstGeom prst="rect">
-            <a:avLst/>
-          </a:prstGeom>
-        </p:spPr>
-        <p:txBody>
-          <a:bodyPr/>
-          <a:lstStyle/>
-          <a:p>
-            <a:pPr/>
-            <a:r>
-              <a:t>How was the proposed approach analyzed?</a:t>
-            </a:r>
-          </a:p>
-          <a:p>
-            <a:pPr lvl="1" marL="1371600" indent="-863600">
-              <a:lnSpc>
-                <a:spcPct val="220000"/>
-              </a:lnSpc>
-              <a:buSzPts val="5500"/>
-              <a:buChar char="•"/>
-              <a:defRPr sz="5500"/>
-            </a:pPr>
-            <a:r>
-              <a:t>Which metrics?</a:t>
-            </a:r>
-          </a:p>
-          <a:p>
-            <a:pPr/>
-            <a:r>
-              <a:t>What results were found?</a:t>
-            </a:r>
-          </a:p>
-        </p:txBody>
-      </p:sp>
-      <p:sp>
-        <p:nvSpPr>
-          <p:cNvPr id="116" name="Slide Number"/>
+          <p:cNvPr id="98" name="Slide Number"/>
           <p:cNvSpPr txBox="1"/>
           <p:nvPr>
             <p:ph type="sldNum" sz="quarter" idx="2"/>
